--- a/CS4273-Introduce to Software Engineering/Slides/Lab 0. Introduction.pptx
+++ b/CS4273-Introduce to Software Engineering/Slides/Lab 0. Introduction.pptx
@@ -9,7 +9,7 @@
   </p:notesMasterIdLst>
   <p:sldIdLst>
     <p:sldId id="269" r:id="rId2"/>
-    <p:sldId id="270" r:id="rId3"/>
+    <p:sldId id="279" r:id="rId3"/>
     <p:sldId id="272" r:id="rId4"/>
     <p:sldId id="273" r:id="rId5"/>
     <p:sldId id="274" r:id="rId6"/>
@@ -205,7 +205,7 @@
           <a:p>
             <a:fld id="{4455D742-84C4-4986-A84B-DC3E04175793}" type="datetimeFigureOut">
               <a:rPr lang="vi-VN" smtClean="0"/>
-              <a:t>18/05/2022</a:t>
+              <a:t>20/09/2022</a:t>
             </a:fld>
             <a:endParaRPr lang="vi-VN"/>
           </a:p>
@@ -601,7 +601,7 @@
           <a:p>
             <a:fld id="{837324BC-BCC2-4BAD-A06B-AAD059CC69DE}" type="datetime1">
               <a:rPr lang="en-US" smtClean="0"/>
-              <a:t>5/18/2022</a:t>
+              <a:t>9/20/2022</a:t>
             </a:fld>
             <a:endParaRPr lang="en-US"/>
           </a:p>
@@ -769,7 +769,7 @@
           <a:p>
             <a:fld id="{D81594A2-C23B-45FC-A4C9-E8DD448DD7B8}" type="datetime1">
               <a:rPr lang="en-US" smtClean="0"/>
-              <a:t>5/18/2022</a:t>
+              <a:t>9/20/2022</a:t>
             </a:fld>
             <a:endParaRPr lang="en-US"/>
           </a:p>
@@ -947,7 +947,7 @@
           <a:p>
             <a:fld id="{6144CD16-D323-46F5-95E5-AFA80E4E6C4D}" type="datetime1">
               <a:rPr lang="en-US" smtClean="0"/>
-              <a:t>5/18/2022</a:t>
+              <a:t>9/20/2022</a:t>
             </a:fld>
             <a:endParaRPr lang="en-US"/>
           </a:p>
@@ -1115,7 +1115,7 @@
           <a:p>
             <a:fld id="{7A16F03A-F89A-41E0-8A0F-867B43C91033}" type="datetime1">
               <a:rPr lang="en-US" smtClean="0"/>
-              <a:t>5/18/2022</a:t>
+              <a:t>9/20/2022</a:t>
             </a:fld>
             <a:endParaRPr lang="en-US"/>
           </a:p>
@@ -1360,7 +1360,7 @@
           <a:p>
             <a:fld id="{D4087027-130F-47B2-A872-AE2A2F443AEB}" type="datetime1">
               <a:rPr lang="en-US" smtClean="0"/>
-              <a:t>5/18/2022</a:t>
+              <a:t>9/20/2022</a:t>
             </a:fld>
             <a:endParaRPr lang="en-US"/>
           </a:p>
@@ -1589,7 +1589,7 @@
           <a:p>
             <a:fld id="{69059E1C-453D-4B97-A122-1BBC1BD3C80F}" type="datetime1">
               <a:rPr lang="en-US" smtClean="0"/>
-              <a:t>5/18/2022</a:t>
+              <a:t>9/20/2022</a:t>
             </a:fld>
             <a:endParaRPr lang="en-US"/>
           </a:p>
@@ -1953,7 +1953,7 @@
           <a:p>
             <a:fld id="{1BFCF4C4-F4C1-456E-80F7-B84FD9C9A251}" type="datetime1">
               <a:rPr lang="en-US" smtClean="0"/>
-              <a:t>5/18/2022</a:t>
+              <a:t>9/20/2022</a:t>
             </a:fld>
             <a:endParaRPr lang="en-US"/>
           </a:p>
@@ -2070,7 +2070,7 @@
           <a:p>
             <a:fld id="{BA8E2057-8843-40FC-89F4-BCAB84D62AE4}" type="datetime1">
               <a:rPr lang="en-US" smtClean="0"/>
-              <a:t>5/18/2022</a:t>
+              <a:t>9/20/2022</a:t>
             </a:fld>
             <a:endParaRPr lang="en-US"/>
           </a:p>
@@ -2165,7 +2165,7 @@
           <a:p>
             <a:fld id="{087DBD45-D533-438B-AF3B-44AC7A16A9EB}" type="datetime1">
               <a:rPr lang="en-US" smtClean="0"/>
-              <a:t>5/18/2022</a:t>
+              <a:t>9/20/2022</a:t>
             </a:fld>
             <a:endParaRPr lang="en-US"/>
           </a:p>
@@ -2440,7 +2440,7 @@
           <a:p>
             <a:fld id="{0D83E530-2BF5-4B8E-9F51-B07667E1021A}" type="datetime1">
               <a:rPr lang="en-US" smtClean="0"/>
-              <a:t>5/18/2022</a:t>
+              <a:t>9/20/2022</a:t>
             </a:fld>
             <a:endParaRPr lang="en-US"/>
           </a:p>
@@ -2692,7 +2692,7 @@
           <a:p>
             <a:fld id="{4F50772C-2FA7-4C75-BDD4-D2F8B54F9662}" type="datetime1">
               <a:rPr lang="en-US" smtClean="0"/>
-              <a:t>5/18/2022</a:t>
+              <a:t>9/20/2022</a:t>
             </a:fld>
             <a:endParaRPr lang="en-US"/>
           </a:p>
@@ -2903,7 +2903,7 @@
           <a:p>
             <a:fld id="{E85DDE86-662E-4F31-A7F9-80320A031D92}" type="datetime1">
               <a:rPr lang="en-US" smtClean="0"/>
-              <a:t>5/18/2022</a:t>
+              <a:t>9/20/2022</a:t>
             </a:fld>
             <a:endParaRPr lang="en-US"/>
           </a:p>
@@ -3446,68 +3446,67 @@
       </p:grpSpPr>
       <p:sp>
         <p:nvSpPr>
-          <p:cNvPr id="2" name="Title 1"/>
-          <p:cNvSpPr>
-            <a:spLocks noGrp="1"/>
-          </p:cNvSpPr>
-          <p:nvPr>
-            <p:ph type="ctrTitle"/>
-          </p:nvPr>
-        </p:nvSpPr>
-        <p:spPr>
-          <a:xfrm>
-            <a:off x="1524000" y="508409"/>
-            <a:ext cx="9144000" cy="980757"/>
-          </a:xfrm>
-        </p:spPr>
-        <p:txBody>
-          <a:bodyPr>
-            <a:normAutofit/>
-          </a:bodyPr>
-          <a:lstStyle/>
-          <a:p>
-            <a:pPr algn="l"/>
+          <p:cNvPr id="2" name="Tiêu đề 1">
+            <a:extLst>
+              <a:ext uri="{FF2B5EF4-FFF2-40B4-BE49-F238E27FC236}">
+                <a16:creationId xmlns:a16="http://schemas.microsoft.com/office/drawing/2014/main" id="{B6673ED6-FD1D-89F3-E751-395B90400D5D}"/>
+              </a:ext>
+            </a:extLst>
+          </p:cNvPr>
+          <p:cNvSpPr>
+            <a:spLocks noGrp="1"/>
+          </p:cNvSpPr>
+          <p:nvPr>
+            <p:ph type="title"/>
+          </p:nvPr>
+        </p:nvSpPr>
+        <p:spPr/>
+        <p:txBody>
+          <a:bodyPr/>
+          <a:lstStyle/>
+          <a:p>
             <a:r>
               <a:rPr lang="en-US"/>
               <a:t>Grading procedures</a:t>
             </a:r>
-          </a:p>
-        </p:txBody>
-      </p:sp>
-      <p:sp>
-        <p:nvSpPr>
-          <p:cNvPr id="3" name="Subtitle 2"/>
-          <p:cNvSpPr>
-            <a:spLocks noGrp="1"/>
-          </p:cNvSpPr>
-          <p:nvPr>
-            <p:ph type="subTitle" idx="1"/>
-          </p:nvPr>
-        </p:nvSpPr>
-        <p:spPr>
-          <a:xfrm>
-            <a:off x="1524000" y="1711234"/>
-            <a:ext cx="9144000" cy="3958045"/>
-          </a:xfrm>
-        </p:spPr>
-        <p:txBody>
-          <a:bodyPr>
-            <a:normAutofit/>
-          </a:bodyPr>
-          <a:lstStyle/>
-          <a:p>
-            <a:pPr algn="l"/>
-            <a:r>
-              <a:rPr lang="en-US"/>
-              <a:t>Roll-call: 10%</a:t>
-            </a:r>
-          </a:p>
-          <a:p>
-            <a:pPr algn="l"/>
-            <a:r>
-              <a:rPr lang="en-US"/>
-              <a:t>Project: 90%</a:t>
-            </a:r>
+            <a:endParaRPr lang="vi-VN"/>
+          </a:p>
+        </p:txBody>
+      </p:sp>
+      <p:sp>
+        <p:nvSpPr>
+          <p:cNvPr id="3" name="Chỗ dành sẵn cho Nội dung 2">
+            <a:extLst>
+              <a:ext uri="{FF2B5EF4-FFF2-40B4-BE49-F238E27FC236}">
+                <a16:creationId xmlns:a16="http://schemas.microsoft.com/office/drawing/2014/main" id="{5F527703-9918-D498-C89A-CAB806F2B7E2}"/>
+              </a:ext>
+            </a:extLst>
+          </p:cNvPr>
+          <p:cNvSpPr>
+            <a:spLocks noGrp="1"/>
+          </p:cNvSpPr>
+          <p:nvPr>
+            <p:ph idx="1"/>
+          </p:nvPr>
+        </p:nvSpPr>
+        <p:spPr/>
+        <p:txBody>
+          <a:bodyPr/>
+          <a:lstStyle/>
+          <a:p>
+            <a:pPr marL="0" indent="0">
+              <a:buNone/>
+            </a:pPr>
+            <a:r>
+              <a:rPr lang="en-US"/>
+              <a:t>Project: 100%</a:t>
+            </a:r>
+          </a:p>
+          <a:p>
+            <a:pPr marL="0" indent="0">
+              <a:buNone/>
+            </a:pPr>
+            <a:endParaRPr lang="vi-VN"/>
           </a:p>
         </p:txBody>
       </p:sp>
@@ -3516,7 +3515,7 @@
           <p:cNvPr id="4" name="Chỗ dành sẵn cho Số hiệu Bản chiếu 3">
             <a:extLst>
               <a:ext uri="{FF2B5EF4-FFF2-40B4-BE49-F238E27FC236}">
-                <a16:creationId xmlns:a16="http://schemas.microsoft.com/office/drawing/2014/main" id="{D6D4063F-9C48-47D1-BF67-D515E647374C}"/>
+                <a16:creationId xmlns:a16="http://schemas.microsoft.com/office/drawing/2014/main" id="{554EC5E1-E1B3-ABFC-545B-C34BFF79B864}"/>
               </a:ext>
             </a:extLst>
           </p:cNvPr>
@@ -3543,7 +3542,7 @@
     </p:spTree>
     <p:extLst>
       <p:ext uri="{BB962C8B-B14F-4D97-AF65-F5344CB8AC3E}">
-        <p14:creationId xmlns:p14="http://schemas.microsoft.com/office/powerpoint/2010/main" val="655494530"/>
+        <p14:creationId xmlns:p14="http://schemas.microsoft.com/office/powerpoint/2010/main" val="3039328280"/>
       </p:ext>
     </p:extLst>
   </p:cSld>
@@ -3640,7 +3639,7 @@
             </a:pPr>
             <a:r>
               <a:rPr lang="en-US"/>
-              <a:t>Registration: Files/Group Information.xlsx</a:t>
+              <a:t>Registration: moodle</a:t>
             </a:r>
           </a:p>
           <a:p>
@@ -3649,7 +3648,7 @@
             </a:pPr>
             <a:r>
               <a:rPr lang="en-US"/>
-              <a:t>List of topic: Files/List of Topic.doc</a:t>
+              <a:t>List of topic: Refs/List of Topic.doc</a:t>
             </a:r>
           </a:p>
         </p:txBody>
@@ -3768,16 +3767,7 @@
             </a:pPr>
             <a:r>
               <a:rPr lang="en-US"/>
-              <a:t>Each group includes 1 – 4 members.</a:t>
-            </a:r>
-          </a:p>
-          <a:p>
-            <a:pPr marL="0" indent="0">
-              <a:buNone/>
-            </a:pPr>
-            <a:r>
-              <a:rPr lang="en-US"/>
-              <a:t>Members can be both in .1 and .2 class.</a:t>
+              <a:t>Each group includes 1 – 4 members. </a:t>
             </a:r>
           </a:p>
           <a:p>
@@ -4083,7 +4073,7 @@
           <a:p>
             <a:r>
               <a:rPr lang="en-US"/>
-              <a:t>Project – report</a:t>
+              <a:t>Report</a:t>
             </a:r>
             <a:endParaRPr lang="vi-VN"/>
           </a:p>
@@ -4115,7 +4105,7 @@
             </a:pPr>
             <a:r>
               <a:rPr lang="en-US"/>
-              <a:t>Represent the requirements’ reception - analysis - design - programming phases according to the existed sample.</a:t>
+              <a:t>Present the requirements’ reception - analysis - design - programming phases according to the sample.</a:t>
             </a:r>
           </a:p>
           <a:p>
@@ -4241,7 +4231,7 @@
             </a:pPr>
             <a:r>
               <a:rPr lang="en-US"/>
-              <a:t>Cross review: 20%</a:t>
+              <a:t>Cross review: 25%</a:t>
             </a:r>
           </a:p>
           <a:p>
@@ -4250,7 +4240,7 @@
             </a:pPr>
             <a:r>
               <a:rPr lang="en-US"/>
-              <a:t>Self review: 20%</a:t>
+              <a:t>Self review: 25%</a:t>
             </a:r>
           </a:p>
           <a:p>
